--- a/Documents/Final Presentation/yao's part.pptx
+++ b/Documents/Final Presentation/yao's part.pptx
@@ -3726,7 +3726,7 @@
         <p:spPr>
           <a:xfrm>
             <a:off x="106045" y="304800"/>
-            <a:ext cx="4157345" cy="2494915"/>
+            <a:ext cx="4375150" cy="2625725"/>
           </a:xfrm>
           <a:prstGeom prst="rect">
             <a:avLst/>
@@ -3755,13 +3755,21 @@
           </a:bodyPr>
           <a:lstStyle/>
           <a:p>
+            <a:r>
+              <a:rPr lang="en-US" sz="3600" dirty="0">
+                <a:solidFill>
+                  <a:srgbClr val="FFFFFF"/>
+                </a:solidFill>
+              </a:rPr>
+              <a:t>Using tools.	</a:t>
+            </a:r>
             <a:r>
               <a:rPr lang="en-US" sz="2400" dirty="0">
                 <a:solidFill>
                   <a:srgbClr val="FFFFFF"/>
                 </a:solidFill>
               </a:rPr>
-              <a:t>Using tools.		</a:t>
+              <a:t>	</a:t>
             </a:r>
             <a:endParaRPr lang="en-US" sz="2400" dirty="0">
               <a:solidFill>
